--- a/source/ppt/DesignPattern/SingletonPattern/SingletonOneIf.pptx
+++ b/source/ppt/DesignPattern/SingletonPattern/SingletonOneIf.pptx
@@ -1296,6 +1296,78 @@
               <a:t>‹#›</a:t>
             </a:fld>
             <a:endParaRPr lang="zh-CN" altLang="en-US"/>
+          </a:p>
+        </p:txBody>
+      </p:sp>
+      <p:sp>
+        <p:nvSpPr>
+          <p:cNvPr id="7" name="文本框 6">
+            <a:extLst>
+              <a:ext uri="{FF2B5EF4-FFF2-40B4-BE49-F238E27FC236}">
+                <a16:creationId xmlns:a16="http://schemas.microsoft.com/office/drawing/2014/main" id="{7660A74A-005D-453A-A34D-36CE47625E53}"/>
+              </a:ext>
+            </a:extLst>
+          </p:cNvPr>
+          <p:cNvSpPr txBox="1"/>
+          <p:nvPr userDrawn="1"/>
+        </p:nvSpPr>
+        <p:spPr>
+          <a:xfrm>
+            <a:off x="8989454" y="309093"/>
+            <a:ext cx="2846231" cy="369332"/>
+          </a:xfrm>
+          <a:prstGeom prst="rect">
+            <a:avLst/>
+          </a:prstGeom>
+          <a:noFill/>
+        </p:spPr>
+        <p:txBody>
+          <a:bodyPr wrap="square" rtlCol="0">
+            <a:spAutoFit/>
+          </a:bodyPr>
+          <a:lstStyle/>
+          <a:p>
+            <a:r>
+              <a:rPr lang="zh-CN" altLang="en-US" dirty="0">
+                <a:solidFill>
+                  <a:schemeClr val="accent4">
+                    <a:lumMod val="40000"/>
+                    <a:lumOff val="60000"/>
+                  </a:schemeClr>
+                </a:solidFill>
+              </a:rPr>
+              <a:t>妃子笑的博客</a:t>
+            </a:r>
+            <a:r>
+              <a:rPr lang="en-US" altLang="zh-CN" dirty="0">
+                <a:solidFill>
+                  <a:schemeClr val="accent4">
+                    <a:lumMod val="40000"/>
+                    <a:lumOff val="60000"/>
+                  </a:schemeClr>
+                </a:solidFill>
+              </a:rPr>
+              <a:t>  </a:t>
+            </a:r>
+            <a:r>
+              <a:rPr lang="en-US" altLang="zh-CN" dirty="0" err="1">
+                <a:solidFill>
+                  <a:schemeClr val="accent4">
+                    <a:lumMod val="40000"/>
+                    <a:lumOff val="60000"/>
+                  </a:schemeClr>
+                </a:solidFill>
+              </a:rPr>
+              <a:t>BiggerShen</a:t>
+            </a:r>
+            <a:endParaRPr lang="zh-CN" altLang="en-US" dirty="0">
+              <a:solidFill>
+                <a:schemeClr val="accent4">
+                  <a:lumMod val="40000"/>
+                  <a:lumOff val="60000"/>
+                </a:schemeClr>
+              </a:solidFill>
+            </a:endParaRPr>
           </a:p>
         </p:txBody>
       </p:sp>
@@ -7904,12 +7976,9 @@
 </file>
 
 <file path=customXml/item1.xml><?xml version="1.0" encoding="utf-8"?>
-<?mso-contentType ?>
-<FormTemplates xmlns="http://schemas.microsoft.com/sharepoint/v3/contenttype/forms">
-  <Display>DocumentLibraryForm</Display>
-  <Edit>DocumentLibraryForm</Edit>
-  <New>DocumentLibraryForm</New>
-</FormTemplates>
+<p:properties xmlns:p="http://schemas.microsoft.com/office/2006/metadata/properties" xmlns:xsi="http://www.w3.org/2001/XMLSchema-instance" xmlns:pc="http://schemas.microsoft.com/office/infopath/2007/PartnerControls">
+  <documentManagement/>
+</p:properties>
 </file>
 
 <file path=customXml/item2.xml><?xml version="1.0" encoding="utf-8"?>
@@ -8045,15 +8114,26 @@
 </file>
 
 <file path=customXml/item3.xml><?xml version="1.0" encoding="utf-8"?>
-<p:properties xmlns:p="http://schemas.microsoft.com/office/2006/metadata/properties" xmlns:xsi="http://www.w3.org/2001/XMLSchema-instance" xmlns:pc="http://schemas.microsoft.com/office/infopath/2007/PartnerControls">
-  <documentManagement/>
-</p:properties>
+<?mso-contentType ?>
+<FormTemplates xmlns="http://schemas.microsoft.com/sharepoint/v3/contenttype/forms">
+  <Display>DocumentLibraryForm</Display>
+  <Edit>DocumentLibraryForm</Edit>
+  <New>DocumentLibraryForm</New>
+</FormTemplates>
 </file>
 
 <file path=customXml/itemProps1.xml><?xml version="1.0" encoding="utf-8"?>
-<ds:datastoreItem xmlns:ds="http://schemas.openxmlformats.org/officeDocument/2006/customXml" ds:itemID="{27B715C9-1FA3-4439-B019-C2A109C55685}">
+<ds:datastoreItem xmlns:ds="http://schemas.openxmlformats.org/officeDocument/2006/customXml" ds:itemID="{CDA75024-0E7B-437C-9DFD-29E66DCEE486}">
   <ds:schemaRefs>
-    <ds:schemaRef ds:uri="http://schemas.microsoft.com/sharepoint/v3/contenttype/forms"/>
+    <ds:schemaRef ds:uri="http://purl.org/dc/elements/1.1/"/>
+    <ds:schemaRef ds:uri="http://schemas.microsoft.com/office/2006/documentManagement/types"/>
+    <ds:schemaRef ds:uri="http://purl.org/dc/terms/"/>
+    <ds:schemaRef ds:uri="http://schemas.microsoft.com/office/2006/metadata/properties"/>
+    <ds:schemaRef ds:uri="http://schemas.microsoft.com/office/infopath/2007/PartnerControls"/>
+    <ds:schemaRef ds:uri="http://schemas.openxmlformats.org/package/2006/metadata/core-properties"/>
+    <ds:schemaRef ds:uri="00e69eb3-3615-458d-b6da-a54e8cea02e1"/>
+    <ds:schemaRef ds:uri="http://www.w3.org/XML/1998/namespace"/>
+    <ds:schemaRef ds:uri="http://purl.org/dc/dcmitype/"/>
   </ds:schemaRefs>
 </ds:datastoreItem>
 </file>
@@ -8077,17 +8157,9 @@
 </file>
 
 <file path=customXml/itemProps3.xml><?xml version="1.0" encoding="utf-8"?>
-<ds:datastoreItem xmlns:ds="http://schemas.openxmlformats.org/officeDocument/2006/customXml" ds:itemID="{CDA75024-0E7B-437C-9DFD-29E66DCEE486}">
+<ds:datastoreItem xmlns:ds="http://schemas.openxmlformats.org/officeDocument/2006/customXml" ds:itemID="{27B715C9-1FA3-4439-B019-C2A109C55685}">
   <ds:schemaRefs>
-    <ds:schemaRef ds:uri="http://purl.org/dc/elements/1.1/"/>
-    <ds:schemaRef ds:uri="http://schemas.microsoft.com/office/2006/documentManagement/types"/>
-    <ds:schemaRef ds:uri="http://purl.org/dc/terms/"/>
-    <ds:schemaRef ds:uri="http://schemas.microsoft.com/office/2006/metadata/properties"/>
-    <ds:schemaRef ds:uri="http://schemas.microsoft.com/office/infopath/2007/PartnerControls"/>
-    <ds:schemaRef ds:uri="http://schemas.openxmlformats.org/package/2006/metadata/core-properties"/>
-    <ds:schemaRef ds:uri="00e69eb3-3615-458d-b6da-a54e8cea02e1"/>
-    <ds:schemaRef ds:uri="http://www.w3.org/XML/1998/namespace"/>
-    <ds:schemaRef ds:uri="http://purl.org/dc/dcmitype/"/>
+    <ds:schemaRef ds:uri="http://schemas.microsoft.com/sharepoint/v3/contenttype/forms"/>
   </ds:schemaRefs>
 </ds:datastoreItem>
 </file>